--- a/bg.pptx
+++ b/bg.pptx
@@ -6,6 +6,9 @@
   </p:sldMasterIdLst>
   <p:sldIdLst>
     <p:sldId id="256" r:id="rId2"/>
+    <p:sldId id="259" r:id="rId3"/>
+    <p:sldId id="260" r:id="rId4"/>
+    <p:sldId id="261" r:id="rId5"/>
   </p:sldIdLst>
   <p:sldSz cx="12192000" cy="6858000"/>
   <p:notesSz cx="6858000" cy="9144000"/>
@@ -104,6 +107,11 @@
       </a:defRPr>
     </a:lvl9pPr>
   </p:defaultTextStyle>
+  <p:extLst>
+    <p:ext uri="{EFAFB233-063F-42B5-8137-9DF3F51BA10A}">
+      <p15:sldGuideLst xmlns:p15="http://schemas.microsoft.com/office/powerpoint/2012/main"/>
+    </p:ext>
+  </p:extLst>
 </p:presentation>
 </file>
 
@@ -238,7 +246,7 @@
           <a:p>
             <a:fld id="{67A94B97-660F-4194-BE18-DF04CE4B99E5}" type="datetimeFigureOut">
               <a:rPr lang="ko-KR" altLang="en-US" smtClean="0"/>
-              <a:t>2025-06-23</a:t>
+              <a:t>2025-06-27</a:t>
             </a:fld>
             <a:endParaRPr lang="ko-KR" altLang="en-US"/>
           </a:p>
@@ -408,7 +416,7 @@
           <a:p>
             <a:fld id="{67A94B97-660F-4194-BE18-DF04CE4B99E5}" type="datetimeFigureOut">
               <a:rPr lang="ko-KR" altLang="en-US" smtClean="0"/>
-              <a:t>2025-06-23</a:t>
+              <a:t>2025-06-27</a:t>
             </a:fld>
             <a:endParaRPr lang="ko-KR" altLang="en-US"/>
           </a:p>
@@ -588,7 +596,7 @@
           <a:p>
             <a:fld id="{67A94B97-660F-4194-BE18-DF04CE4B99E5}" type="datetimeFigureOut">
               <a:rPr lang="ko-KR" altLang="en-US" smtClean="0"/>
-              <a:t>2025-06-23</a:t>
+              <a:t>2025-06-27</a:t>
             </a:fld>
             <a:endParaRPr lang="ko-KR" altLang="en-US"/>
           </a:p>
@@ -758,7 +766,7 @@
           <a:p>
             <a:fld id="{67A94B97-660F-4194-BE18-DF04CE4B99E5}" type="datetimeFigureOut">
               <a:rPr lang="ko-KR" altLang="en-US" smtClean="0"/>
-              <a:t>2025-06-23</a:t>
+              <a:t>2025-06-27</a:t>
             </a:fld>
             <a:endParaRPr lang="ko-KR" altLang="en-US"/>
           </a:p>
@@ -1004,7 +1012,7 @@
           <a:p>
             <a:fld id="{67A94B97-660F-4194-BE18-DF04CE4B99E5}" type="datetimeFigureOut">
               <a:rPr lang="ko-KR" altLang="en-US" smtClean="0"/>
-              <a:t>2025-06-23</a:t>
+              <a:t>2025-06-27</a:t>
             </a:fld>
             <a:endParaRPr lang="ko-KR" altLang="en-US"/>
           </a:p>
@@ -1236,7 +1244,7 @@
           <a:p>
             <a:fld id="{67A94B97-660F-4194-BE18-DF04CE4B99E5}" type="datetimeFigureOut">
               <a:rPr lang="ko-KR" altLang="en-US" smtClean="0"/>
-              <a:t>2025-06-23</a:t>
+              <a:t>2025-06-27</a:t>
             </a:fld>
             <a:endParaRPr lang="ko-KR" altLang="en-US"/>
           </a:p>
@@ -1603,7 +1611,7 @@
           <a:p>
             <a:fld id="{67A94B97-660F-4194-BE18-DF04CE4B99E5}" type="datetimeFigureOut">
               <a:rPr lang="ko-KR" altLang="en-US" smtClean="0"/>
-              <a:t>2025-06-23</a:t>
+              <a:t>2025-06-27</a:t>
             </a:fld>
             <a:endParaRPr lang="ko-KR" altLang="en-US"/>
           </a:p>
@@ -1721,7 +1729,7 @@
           <a:p>
             <a:fld id="{67A94B97-660F-4194-BE18-DF04CE4B99E5}" type="datetimeFigureOut">
               <a:rPr lang="ko-KR" altLang="en-US" smtClean="0"/>
-              <a:t>2025-06-23</a:t>
+              <a:t>2025-06-27</a:t>
             </a:fld>
             <a:endParaRPr lang="ko-KR" altLang="en-US"/>
           </a:p>
@@ -1816,7 +1824,7 @@
           <a:p>
             <a:fld id="{67A94B97-660F-4194-BE18-DF04CE4B99E5}" type="datetimeFigureOut">
               <a:rPr lang="ko-KR" altLang="en-US" smtClean="0"/>
-              <a:t>2025-06-23</a:t>
+              <a:t>2025-06-27</a:t>
             </a:fld>
             <a:endParaRPr lang="ko-KR" altLang="en-US"/>
           </a:p>
@@ -2093,7 +2101,7 @@
           <a:p>
             <a:fld id="{67A94B97-660F-4194-BE18-DF04CE4B99E5}" type="datetimeFigureOut">
               <a:rPr lang="ko-KR" altLang="en-US" smtClean="0"/>
-              <a:t>2025-06-23</a:t>
+              <a:t>2025-06-27</a:t>
             </a:fld>
             <a:endParaRPr lang="ko-KR" altLang="en-US"/>
           </a:p>
@@ -2346,7 +2354,7 @@
           <a:p>
             <a:fld id="{67A94B97-660F-4194-BE18-DF04CE4B99E5}" type="datetimeFigureOut">
               <a:rPr lang="ko-KR" altLang="en-US" smtClean="0"/>
-              <a:t>2025-06-23</a:t>
+              <a:t>2025-06-27</a:t>
             </a:fld>
             <a:endParaRPr lang="ko-KR" altLang="en-US"/>
           </a:p>
@@ -2559,7 +2567,7 @@
           <a:p>
             <a:fld id="{67A94B97-660F-4194-BE18-DF04CE4B99E5}" type="datetimeFigureOut">
               <a:rPr lang="ko-KR" altLang="en-US" smtClean="0"/>
-              <a:t>2025-06-23</a:t>
+              <a:t>2025-06-27</a:t>
             </a:fld>
             <a:endParaRPr lang="ko-KR" altLang="en-US"/>
           </a:p>
@@ -3223,6 +3231,178 @@
   <p:clrMapOvr>
     <a:masterClrMapping/>
   </p:clrMapOvr>
+  <p:timing>
+    <p:tnLst>
+      <p:par>
+        <p:cTn id="1" dur="indefinite" restart="never" nodeType="tmRoot"/>
+      </p:par>
+    </p:tnLst>
+  </p:timing>
+</p:sld>
+</file>
+
+<file path=ppt/slides/slide2.xml><?xml version="1.0" encoding="utf-8"?>
+<p:sld xmlns:a="http://schemas.openxmlformats.org/drawingml/2006/main" xmlns:r="http://schemas.openxmlformats.org/officeDocument/2006/relationships" xmlns:p="http://schemas.openxmlformats.org/presentationml/2006/main">
+  <p:cSld>
+    <p:spTree>
+      <p:nvGrpSpPr>
+        <p:cNvPr id="1" name=""/>
+        <p:cNvGrpSpPr/>
+        <p:nvPr/>
+      </p:nvGrpSpPr>
+      <p:grpSpPr>
+        <a:xfrm>
+          <a:off x="0" y="0"/>
+          <a:ext cx="0" cy="0"/>
+          <a:chOff x="0" y="0"/>
+          <a:chExt cx="0" cy="0"/>
+        </a:xfrm>
+      </p:grpSpPr>
+      <p:pic>
+        <p:nvPicPr>
+          <p:cNvPr id="2" name="그림 1"/>
+          <p:cNvPicPr>
+            <a:picLocks noChangeAspect="1"/>
+          </p:cNvPicPr>
+          <p:nvPr/>
+        </p:nvPicPr>
+        <p:blipFill>
+          <a:blip r:embed="rId2"/>
+          <a:stretch>
+            <a:fillRect/>
+          </a:stretch>
+        </p:blipFill>
+        <p:spPr>
+          <a:xfrm>
+            <a:off x="-1844196" y="-472032"/>
+            <a:ext cx="15880391" cy="7802064"/>
+          </a:xfrm>
+          <a:prstGeom prst="rect">
+            <a:avLst/>
+          </a:prstGeom>
+        </p:spPr>
+      </p:pic>
+      <p:pic>
+        <p:nvPicPr>
+          <p:cNvPr id="3" name="그림 2"/>
+          <p:cNvPicPr>
+            <a:picLocks noChangeAspect="1"/>
+          </p:cNvPicPr>
+          <p:nvPr/>
+        </p:nvPicPr>
+        <p:blipFill>
+          <a:blip r:embed="rId3">
+            <a:extLst>
+              <a:ext uri="{28A0092B-C50C-407E-A947-70E740481C1C}">
+                <a14:useLocalDpi xmlns:a14="http://schemas.microsoft.com/office/drawing/2010/main" val="0"/>
+              </a:ext>
+            </a:extLst>
+          </a:blip>
+          <a:stretch>
+            <a:fillRect/>
+          </a:stretch>
+        </p:blipFill>
+        <p:spPr>
+          <a:xfrm>
+            <a:off x="5488450" y="1513658"/>
+            <a:ext cx="4474258" cy="4474258"/>
+          </a:xfrm>
+          <a:prstGeom prst="rect">
+            <a:avLst/>
+          </a:prstGeom>
+        </p:spPr>
+      </p:pic>
+    </p:spTree>
+    <p:extLst>
+      <p:ext uri="{BB962C8B-B14F-4D97-AF65-F5344CB8AC3E}">
+        <p14:creationId xmlns:p14="http://schemas.microsoft.com/office/powerpoint/2010/main" val="2448907088"/>
+      </p:ext>
+    </p:extLst>
+  </p:cSld>
+  <p:clrMapOvr>
+    <a:masterClrMapping/>
+  </p:clrMapOvr>
+  <p:timing>
+    <p:tnLst>
+      <p:par>
+        <p:cTn id="1" dur="indefinite" restart="never" nodeType="tmRoot"/>
+      </p:par>
+    </p:tnLst>
+  </p:timing>
+</p:sld>
+</file>
+
+<file path=ppt/slides/slide3.xml><?xml version="1.0" encoding="utf-8"?>
+<p:sld xmlns:a="http://schemas.openxmlformats.org/drawingml/2006/main" xmlns:r="http://schemas.openxmlformats.org/officeDocument/2006/relationships" xmlns:p="http://schemas.openxmlformats.org/presentationml/2006/main">
+  <p:cSld>
+    <p:spTree>
+      <p:nvGrpSpPr>
+        <p:cNvPr id="1" name=""/>
+        <p:cNvGrpSpPr/>
+        <p:nvPr/>
+      </p:nvGrpSpPr>
+      <p:grpSpPr>
+        <a:xfrm>
+          <a:off x="0" y="0"/>
+          <a:ext cx="0" cy="0"/>
+          <a:chOff x="0" y="0"/>
+          <a:chExt cx="0" cy="0"/>
+        </a:xfrm>
+      </p:grpSpPr>
+    </p:spTree>
+    <p:extLst>
+      <p:ext uri="{BB962C8B-B14F-4D97-AF65-F5344CB8AC3E}">
+        <p14:creationId xmlns:p14="http://schemas.microsoft.com/office/powerpoint/2010/main" val="1906909165"/>
+      </p:ext>
+    </p:extLst>
+  </p:cSld>
+  <p:clrMapOvr>
+    <a:masterClrMapping/>
+  </p:clrMapOvr>
+  <p:timing>
+    <p:tnLst>
+      <p:par>
+        <p:cTn id="1" dur="indefinite" restart="never" nodeType="tmRoot"/>
+      </p:par>
+    </p:tnLst>
+  </p:timing>
+</p:sld>
+</file>
+
+<file path=ppt/slides/slide4.xml><?xml version="1.0" encoding="utf-8"?>
+<p:sld xmlns:a="http://schemas.openxmlformats.org/drawingml/2006/main" xmlns:r="http://schemas.openxmlformats.org/officeDocument/2006/relationships" xmlns:p="http://schemas.openxmlformats.org/presentationml/2006/main">
+  <p:cSld>
+    <p:spTree>
+      <p:nvGrpSpPr>
+        <p:cNvPr id="1" name=""/>
+        <p:cNvGrpSpPr/>
+        <p:nvPr/>
+      </p:nvGrpSpPr>
+      <p:grpSpPr>
+        <a:xfrm>
+          <a:off x="0" y="0"/>
+          <a:ext cx="0" cy="0"/>
+          <a:chOff x="0" y="0"/>
+          <a:chExt cx="0" cy="0"/>
+        </a:xfrm>
+      </p:grpSpPr>
+    </p:spTree>
+    <p:extLst>
+      <p:ext uri="{BB962C8B-B14F-4D97-AF65-F5344CB8AC3E}">
+        <p14:creationId xmlns:p14="http://schemas.microsoft.com/office/powerpoint/2010/main" val="266071338"/>
+      </p:ext>
+    </p:extLst>
+  </p:cSld>
+  <p:clrMapOvr>
+    <a:masterClrMapping/>
+  </p:clrMapOvr>
+  <p:timing>
+    <p:tnLst>
+      <p:par>
+        <p:cTn id="1" dur="indefinite" restart="never" nodeType="tmRoot"/>
+      </p:par>
+    </p:tnLst>
+  </p:timing>
 </p:sld>
 </file>
 
